--- a/2025_ФЕІ-41_Локоть_В_О_презентація.pptx
+++ b/2025_ФЕІ-41_Локоть_В_О_презентація.pptx
@@ -208,7 +208,7 @@
           <a:p>
             <a:fld id="{B2D18848-AA89-43A1-80F2-1C23A96C9C41}" type="datetimeFigureOut">
               <a:rPr lang="ru-RU" smtClean="0"/>
-              <a:t>01.06.2025</a:t>
+              <a:t>04.06.2025</a:t>
             </a:fld>
             <a:endParaRPr lang="ru-RU"/>
           </a:p>
@@ -691,7 +691,7 @@
           <a:p>
             <a:fld id="{866D9ED6-91B5-44F9-9BC6-40507DB7DC89}" type="datetime1">
               <a:rPr lang="ru-RU" smtClean="0"/>
-              <a:t>01.06.2025</a:t>
+              <a:t>04.06.2025</a:t>
             </a:fld>
             <a:endParaRPr lang="ru-RU"/>
           </a:p>
@@ -861,7 +861,7 @@
           <a:p>
             <a:fld id="{A77B3319-FB59-4BA5-AF91-7B9DC1FECB3B}" type="datetime1">
               <a:rPr lang="ru-RU" smtClean="0"/>
-              <a:t>01.06.2025</a:t>
+              <a:t>04.06.2025</a:t>
             </a:fld>
             <a:endParaRPr lang="ru-RU"/>
           </a:p>
@@ -1041,7 +1041,7 @@
           <a:p>
             <a:fld id="{2AC50DCD-589A-44C2-AABB-0B4C3F8266D1}" type="datetime1">
               <a:rPr lang="ru-RU" smtClean="0"/>
-              <a:t>01.06.2025</a:t>
+              <a:t>04.06.2025</a:t>
             </a:fld>
             <a:endParaRPr lang="ru-RU"/>
           </a:p>
@@ -1211,7 +1211,7 @@
           <a:p>
             <a:fld id="{51A04B47-4EB1-49D2-A9F4-0F0E55E090A4}" type="datetime1">
               <a:rPr lang="ru-RU" smtClean="0"/>
-              <a:t>01.06.2025</a:t>
+              <a:t>04.06.2025</a:t>
             </a:fld>
             <a:endParaRPr lang="ru-RU"/>
           </a:p>
@@ -1457,7 +1457,7 @@
           <a:p>
             <a:fld id="{168F400F-3401-4D54-9908-30E8D8B95AF4}" type="datetime1">
               <a:rPr lang="ru-RU" smtClean="0"/>
-              <a:t>01.06.2025</a:t>
+              <a:t>04.06.2025</a:t>
             </a:fld>
             <a:endParaRPr lang="ru-RU"/>
           </a:p>
@@ -1689,7 +1689,7 @@
           <a:p>
             <a:fld id="{A415ACF7-AAF8-4CF5-936C-596F06260E46}" type="datetime1">
               <a:rPr lang="ru-RU" smtClean="0"/>
-              <a:t>01.06.2025</a:t>
+              <a:t>04.06.2025</a:t>
             </a:fld>
             <a:endParaRPr lang="ru-RU"/>
           </a:p>
@@ -2056,7 +2056,7 @@
           <a:p>
             <a:fld id="{00DF327F-598C-43C1-A04B-91535BA7F309}" type="datetime1">
               <a:rPr lang="ru-RU" smtClean="0"/>
-              <a:t>01.06.2025</a:t>
+              <a:t>04.06.2025</a:t>
             </a:fld>
             <a:endParaRPr lang="ru-RU"/>
           </a:p>
@@ -2174,7 +2174,7 @@
           <a:p>
             <a:fld id="{C87263D6-F266-443C-9502-8F000AEC7B6C}" type="datetime1">
               <a:rPr lang="ru-RU" smtClean="0"/>
-              <a:t>01.06.2025</a:t>
+              <a:t>04.06.2025</a:t>
             </a:fld>
             <a:endParaRPr lang="ru-RU"/>
           </a:p>
@@ -2269,7 +2269,7 @@
           <a:p>
             <a:fld id="{0659DDF5-D1D3-4CBB-A628-46737B618B5C}" type="datetime1">
               <a:rPr lang="ru-RU" smtClean="0"/>
-              <a:t>01.06.2025</a:t>
+              <a:t>04.06.2025</a:t>
             </a:fld>
             <a:endParaRPr lang="ru-RU"/>
           </a:p>
@@ -2546,7 +2546,7 @@
           <a:p>
             <a:fld id="{BD56B3D1-AB01-421E-BE9F-CC0CBF3825BF}" type="datetime1">
               <a:rPr lang="ru-RU" smtClean="0"/>
-              <a:t>01.06.2025</a:t>
+              <a:t>04.06.2025</a:t>
             </a:fld>
             <a:endParaRPr lang="ru-RU"/>
           </a:p>
@@ -2803,7 +2803,7 @@
           <a:p>
             <a:fld id="{7E1FCEB8-73E4-49A9-922A-22DFDF5AFFA5}" type="datetime1">
               <a:rPr lang="ru-RU" smtClean="0"/>
-              <a:t>01.06.2025</a:t>
+              <a:t>04.06.2025</a:t>
             </a:fld>
             <a:endParaRPr lang="ru-RU"/>
           </a:p>
@@ -3016,7 +3016,7 @@
           <a:p>
             <a:fld id="{E306A559-826C-47D5-9E63-D9191287B27D}" type="datetime1">
               <a:rPr lang="ru-RU" smtClean="0"/>
-              <a:t>01.06.2025</a:t>
+              <a:t>04.06.2025</a:t>
             </a:fld>
             <a:endParaRPr lang="ru-RU"/>
           </a:p>
@@ -4265,10 +4265,10 @@
       </p:pic>
       <p:pic>
         <p:nvPicPr>
-          <p:cNvPr id="7" name="Місце для вмісту 6">
+          <p:cNvPr id="6" name="Рисунок 5">
             <a:extLst>
               <a:ext uri="{FF2B5EF4-FFF2-40B4-BE49-F238E27FC236}">
-                <a16:creationId xmlns:a16="http://schemas.microsoft.com/office/drawing/2014/main" id="{A858AE8A-0AA4-A73E-334E-17E5C48523F6}"/>
+                <a16:creationId xmlns:a16="http://schemas.microsoft.com/office/drawing/2014/main" id="{54F8605B-3658-CD55-6F2B-538DA540D27D}"/>
               </a:ext>
             </a:extLst>
           </p:cNvPr>
@@ -4279,13 +4279,14 @@
         </p:nvPicPr>
         <p:blipFill>
           <a:blip r:embed="rId3"/>
-          <a:srcRect t="1543" b="2507"/>
-          <a:stretch/>
+          <a:stretch>
+            <a:fillRect/>
+          </a:stretch>
         </p:blipFill>
         <p:spPr>
           <a:xfrm>
-            <a:off x="770363" y="1581621"/>
-            <a:ext cx="9556802" cy="4175058"/>
+            <a:off x="838200" y="1525165"/>
+            <a:ext cx="9128185" cy="4113560"/>
           </a:xfrm>
           <a:prstGeom prst="rect">
             <a:avLst/>
@@ -8390,6 +8391,17 @@
               <a:t>Lh</a:t>
             </a:r>
             <a:r>
+              <a:rPr lang="en-US" sz="1600" b="0" i="0" dirty="0">
+                <a:solidFill>
+                  <a:srgbClr val="F8FAFF"/>
+                </a:solidFill>
+                <a:effectLst/>
+                <a:latin typeface="Arial" panose="020B0604020202020204" pitchFamily="34" charset="0"/>
+                <a:cs typeface="Arial" panose="020B0604020202020204" pitchFamily="34" charset="0"/>
+              </a:rPr>
+              <a:t> </a:t>
+            </a:r>
+            <a:r>
               <a:rPr lang="en-US" sz="1600" b="0" i="1" dirty="0" err="1">
                 <a:solidFill>
                   <a:srgbClr val="F8FAFF"/>
@@ -8445,10 +8457,10 @@
                 <a:latin typeface="Arial" panose="020B0604020202020204" pitchFamily="34" charset="0"/>
                 <a:cs typeface="Arial" panose="020B0604020202020204" pitchFamily="34" charset="0"/>
               </a:rPr>
-              <a:t>T0</a:t>
-            </a:r>
-            <a:r>
-              <a:rPr lang="en-US" sz="1600" b="0" i="1" dirty="0">
+              <a:t>T0 </a:t>
+            </a:r>
+            <a:r>
+              <a:rPr lang="en-US" sz="1600" b="0" i="1" dirty="0" err="1">
                 <a:solidFill>
                   <a:srgbClr val="F8FAFF"/>
                 </a:solidFill>
@@ -8459,6 +8471,17 @@
               <a:t>T</a:t>
             </a:r>
             <a:r>
+              <a:rPr lang="en-US" sz="1600" b="0" i="0" dirty="0" err="1">
+                <a:solidFill>
+                  <a:srgbClr val="F8FAFF"/>
+                </a:solidFill>
+                <a:effectLst/>
+                <a:latin typeface="Arial" panose="020B0604020202020204" pitchFamily="34" charset="0"/>
+                <a:cs typeface="Arial" panose="020B0604020202020204" pitchFamily="34" charset="0"/>
+              </a:rPr>
+              <a:t>0</a:t>
+            </a:r>
+            <a:r>
               <a:rPr lang="en-US" sz="1600" b="0" i="0" dirty="0">
                 <a:solidFill>
                   <a:srgbClr val="F8FAFF"/>
@@ -8467,7 +8490,7 @@
                 <a:latin typeface="Arial" panose="020B0604020202020204" pitchFamily="34" charset="0"/>
                 <a:cs typeface="Arial" panose="020B0604020202020204" pitchFamily="34" charset="0"/>
               </a:rPr>
-              <a:t>0​ — </a:t>
+              <a:t>​ — </a:t>
             </a:r>
             <a:r>
               <a:rPr lang="uk-UA" sz="1600" b="0" i="0" dirty="0">
@@ -8808,8 +8831,8 @@
         </p:nvSpPr>
         <p:spPr bwMode="auto">
           <a:xfrm>
-            <a:off x="838200" y="1615578"/>
-            <a:ext cx="9807428" cy="923330"/>
+            <a:off x="838200" y="1626669"/>
+            <a:ext cx="8400691" cy="1200329"/>
           </a:xfrm>
           <a:prstGeom prst="rect">
             <a:avLst/>
@@ -8849,7 +8872,7 @@
           </a:extLst>
         </p:spPr>
         <p:txBody>
-          <a:bodyPr vert="horz" wrap="none" lIns="91440" tIns="45720" rIns="91440" bIns="45720" numCol="1" anchor="ctr" anchorCtr="0" compatLnSpc="1">
+          <a:bodyPr vert="horz" wrap="square" lIns="91440" tIns="45720" rIns="91440" bIns="45720" numCol="1" anchor="ctr" anchorCtr="0" compatLnSpc="1">
             <a:prstTxWarp prst="textNoShape">
               <a:avLst/>
             </a:prstTxWarp>
